--- a/presentation.pptx
+++ b/presentation.pptx
@@ -293,7 +293,8 @@
           <a:p>
             <a:fld id="{12B2CA0A-6A17-4E59-9BC9-D79BE4CAB215}" type="datetimeFigureOut">
               <a:rPr lang="ru-RU" smtClean="0"/>
-              <a:t>13.02.2024</a:t>
+              <a:pPr/>
+              <a:t>16.02.2024</a:t>
             </a:fld>
             <a:endParaRPr lang="ru-RU"/>
           </a:p>
@@ -335,6 +336,7 @@
           <a:p>
             <a:fld id="{1D390C0F-224D-4F32-8200-1DD584779998}" type="slidenum">
               <a:rPr lang="ru-RU" smtClean="0"/>
+              <a:pPr/>
               <a:t>‹#›</a:t>
             </a:fld>
             <a:endParaRPr lang="ru-RU"/>
@@ -458,7 +460,8 @@
           <a:p>
             <a:fld id="{12B2CA0A-6A17-4E59-9BC9-D79BE4CAB215}" type="datetimeFigureOut">
               <a:rPr lang="ru-RU" smtClean="0"/>
-              <a:t>13.02.2024</a:t>
+              <a:pPr/>
+              <a:t>16.02.2024</a:t>
             </a:fld>
             <a:endParaRPr lang="ru-RU"/>
           </a:p>
@@ -500,6 +503,7 @@
           <a:p>
             <a:fld id="{1D390C0F-224D-4F32-8200-1DD584779998}" type="slidenum">
               <a:rPr lang="ru-RU" smtClean="0"/>
+              <a:pPr/>
               <a:t>‹#›</a:t>
             </a:fld>
             <a:endParaRPr lang="ru-RU"/>
@@ -633,7 +637,8 @@
           <a:p>
             <a:fld id="{12B2CA0A-6A17-4E59-9BC9-D79BE4CAB215}" type="datetimeFigureOut">
               <a:rPr lang="ru-RU" smtClean="0"/>
-              <a:t>13.02.2024</a:t>
+              <a:pPr/>
+              <a:t>16.02.2024</a:t>
             </a:fld>
             <a:endParaRPr lang="ru-RU"/>
           </a:p>
@@ -675,6 +680,7 @@
           <a:p>
             <a:fld id="{1D390C0F-224D-4F32-8200-1DD584779998}" type="slidenum">
               <a:rPr lang="ru-RU" smtClean="0"/>
+              <a:pPr/>
               <a:t>‹#›</a:t>
             </a:fld>
             <a:endParaRPr lang="ru-RU"/>
@@ -798,7 +804,8 @@
           <a:p>
             <a:fld id="{12B2CA0A-6A17-4E59-9BC9-D79BE4CAB215}" type="datetimeFigureOut">
               <a:rPr lang="ru-RU" smtClean="0"/>
-              <a:t>13.02.2024</a:t>
+              <a:pPr/>
+              <a:t>16.02.2024</a:t>
             </a:fld>
             <a:endParaRPr lang="ru-RU"/>
           </a:p>
@@ -840,6 +847,7 @@
           <a:p>
             <a:fld id="{1D390C0F-224D-4F32-8200-1DD584779998}" type="slidenum">
               <a:rPr lang="ru-RU" smtClean="0"/>
+              <a:pPr/>
               <a:t>‹#›</a:t>
             </a:fld>
             <a:endParaRPr lang="ru-RU"/>
@@ -1039,7 +1047,8 @@
           <a:p>
             <a:fld id="{12B2CA0A-6A17-4E59-9BC9-D79BE4CAB215}" type="datetimeFigureOut">
               <a:rPr lang="ru-RU" smtClean="0"/>
-              <a:t>13.02.2024</a:t>
+              <a:pPr/>
+              <a:t>16.02.2024</a:t>
             </a:fld>
             <a:endParaRPr lang="ru-RU"/>
           </a:p>
@@ -1081,6 +1090,7 @@
           <a:p>
             <a:fld id="{1D390C0F-224D-4F32-8200-1DD584779998}" type="slidenum">
               <a:rPr lang="ru-RU" smtClean="0"/>
+              <a:pPr/>
               <a:t>‹#›</a:t>
             </a:fld>
             <a:endParaRPr lang="ru-RU"/>
@@ -1322,7 +1332,8 @@
           <a:p>
             <a:fld id="{12B2CA0A-6A17-4E59-9BC9-D79BE4CAB215}" type="datetimeFigureOut">
               <a:rPr lang="ru-RU" smtClean="0"/>
-              <a:t>13.02.2024</a:t>
+              <a:pPr/>
+              <a:t>16.02.2024</a:t>
             </a:fld>
             <a:endParaRPr lang="ru-RU"/>
           </a:p>
@@ -1364,6 +1375,7 @@
           <a:p>
             <a:fld id="{1D390C0F-224D-4F32-8200-1DD584779998}" type="slidenum">
               <a:rPr lang="ru-RU" smtClean="0"/>
+              <a:pPr/>
               <a:t>‹#›</a:t>
             </a:fld>
             <a:endParaRPr lang="ru-RU"/>
@@ -1739,7 +1751,8 @@
           <a:p>
             <a:fld id="{12B2CA0A-6A17-4E59-9BC9-D79BE4CAB215}" type="datetimeFigureOut">
               <a:rPr lang="ru-RU" smtClean="0"/>
-              <a:t>13.02.2024</a:t>
+              <a:pPr/>
+              <a:t>16.02.2024</a:t>
             </a:fld>
             <a:endParaRPr lang="ru-RU"/>
           </a:p>
@@ -1781,6 +1794,7 @@
           <a:p>
             <a:fld id="{1D390C0F-224D-4F32-8200-1DD584779998}" type="slidenum">
               <a:rPr lang="ru-RU" smtClean="0"/>
+              <a:pPr/>
               <a:t>‹#›</a:t>
             </a:fld>
             <a:endParaRPr lang="ru-RU"/>
@@ -1852,7 +1866,8 @@
           <a:p>
             <a:fld id="{12B2CA0A-6A17-4E59-9BC9-D79BE4CAB215}" type="datetimeFigureOut">
               <a:rPr lang="ru-RU" smtClean="0"/>
-              <a:t>13.02.2024</a:t>
+              <a:pPr/>
+              <a:t>16.02.2024</a:t>
             </a:fld>
             <a:endParaRPr lang="ru-RU"/>
           </a:p>
@@ -1894,6 +1909,7 @@
           <a:p>
             <a:fld id="{1D390C0F-224D-4F32-8200-1DD584779998}" type="slidenum">
               <a:rPr lang="ru-RU" smtClean="0"/>
+              <a:pPr/>
               <a:t>‹#›</a:t>
             </a:fld>
             <a:endParaRPr lang="ru-RU"/>
@@ -1942,7 +1958,8 @@
           <a:p>
             <a:fld id="{12B2CA0A-6A17-4E59-9BC9-D79BE4CAB215}" type="datetimeFigureOut">
               <a:rPr lang="ru-RU" smtClean="0"/>
-              <a:t>13.02.2024</a:t>
+              <a:pPr/>
+              <a:t>16.02.2024</a:t>
             </a:fld>
             <a:endParaRPr lang="ru-RU"/>
           </a:p>
@@ -1984,6 +2001,7 @@
           <a:p>
             <a:fld id="{1D390C0F-224D-4F32-8200-1DD584779998}" type="slidenum">
               <a:rPr lang="ru-RU" smtClean="0"/>
+              <a:pPr/>
               <a:t>‹#›</a:t>
             </a:fld>
             <a:endParaRPr lang="ru-RU"/>
@@ -2214,7 +2232,8 @@
           <a:p>
             <a:fld id="{12B2CA0A-6A17-4E59-9BC9-D79BE4CAB215}" type="datetimeFigureOut">
               <a:rPr lang="ru-RU" smtClean="0"/>
-              <a:t>13.02.2024</a:t>
+              <a:pPr/>
+              <a:t>16.02.2024</a:t>
             </a:fld>
             <a:endParaRPr lang="ru-RU"/>
           </a:p>
@@ -2256,6 +2275,7 @@
           <a:p>
             <a:fld id="{1D390C0F-224D-4F32-8200-1DD584779998}" type="slidenum">
               <a:rPr lang="ru-RU" smtClean="0"/>
+              <a:pPr/>
               <a:t>‹#›</a:t>
             </a:fld>
             <a:endParaRPr lang="ru-RU"/>
@@ -2462,7 +2482,8 @@
           <a:p>
             <a:fld id="{12B2CA0A-6A17-4E59-9BC9-D79BE4CAB215}" type="datetimeFigureOut">
               <a:rPr lang="ru-RU" smtClean="0"/>
-              <a:t>13.02.2024</a:t>
+              <a:pPr/>
+              <a:t>16.02.2024</a:t>
             </a:fld>
             <a:endParaRPr lang="ru-RU"/>
           </a:p>
@@ -2504,6 +2525,7 @@
           <a:p>
             <a:fld id="{1D390C0F-224D-4F32-8200-1DD584779998}" type="slidenum">
               <a:rPr lang="ru-RU" smtClean="0"/>
+              <a:pPr/>
               <a:t>‹#›</a:t>
             </a:fld>
             <a:endParaRPr lang="ru-RU"/>
@@ -2670,7 +2692,8 @@
           <a:p>
             <a:fld id="{12B2CA0A-6A17-4E59-9BC9-D79BE4CAB215}" type="datetimeFigureOut">
               <a:rPr lang="ru-RU" smtClean="0"/>
-              <a:t>13.02.2024</a:t>
+              <a:pPr/>
+              <a:t>16.02.2024</a:t>
             </a:fld>
             <a:endParaRPr lang="ru-RU"/>
           </a:p>
@@ -2748,6 +2771,7 @@
           <a:p>
             <a:fld id="{1D390C0F-224D-4F32-8200-1DD584779998}" type="slidenum">
               <a:rPr lang="ru-RU" smtClean="0"/>
+              <a:pPr/>
               <a:t>‹#›</a:t>
             </a:fld>
             <a:endParaRPr lang="ru-RU"/>
@@ -3101,6 +3125,13 @@
   <p:clrMapOvr>
     <a:masterClrMapping/>
   </p:clrMapOvr>
+  <p:timing>
+    <p:tnLst>
+      <p:par>
+        <p:cTn id="1" dur="indefinite" restart="never" nodeType="tmRoot"/>
+      </p:par>
+    </p:tnLst>
+  </p:timing>
 </p:sld>
 </file>
 
@@ -3138,12 +3169,36 @@
           </a:xfrm>
         </p:spPr>
         <p:txBody>
-          <a:bodyPr/>
+          <a:bodyPr>
+            <a:normAutofit lnSpcReduction="10000"/>
+          </a:bodyPr>
           <a:lstStyle/>
           <a:p>
             <a:r>
               <a:rPr lang="ru-RU" dirty="0" smtClean="0"/>
-              <a:t>Два игрока ходят по очереди. За ход можно либо передвинуть свою фишку, либо поставить стену между двумя клетками поля. Побеждает тот, чья фишка первая достигнет противоположного конца поля.</a:t>
+              <a:t>Цель – первым передвинуть свою фишку в противоположный конец </a:t>
+            </a:r>
+            <a:r>
+              <a:rPr lang="ru-RU" dirty="0" smtClean="0"/>
+              <a:t>поля.</a:t>
+            </a:r>
+          </a:p>
+          <a:p>
+            <a:r>
+              <a:rPr lang="ru-RU" dirty="0" smtClean="0"/>
+              <a:t>Два </a:t>
+            </a:r>
+            <a:r>
+              <a:rPr lang="ru-RU" dirty="0" smtClean="0"/>
+              <a:t>игрока ходят по очереди. За </a:t>
+            </a:r>
+            <a:r>
+              <a:rPr lang="ru-RU" dirty="0" smtClean="0"/>
+              <a:t>один ход </a:t>
+            </a:r>
+            <a:r>
+              <a:rPr lang="ru-RU" dirty="0" smtClean="0"/>
+              <a:t>можно либо передвинуть свою фишку, либо поставить стену между двумя клетками поля. </a:t>
             </a:r>
             <a:endParaRPr lang="ru-RU" dirty="0"/>
           </a:p>
@@ -3247,6 +3302,13 @@
   <p:clrMapOvr>
     <a:masterClrMapping/>
   </p:clrMapOvr>
+  <p:timing>
+    <p:tnLst>
+      <p:par>
+        <p:cTn id="1" dur="indefinite" restart="never" nodeType="tmRoot"/>
+      </p:par>
+    </p:tnLst>
+  </p:timing>
 </p:sld>
 </file>
 
@@ -3362,6 +3424,13 @@
   <p:clrMapOvr>
     <a:masterClrMapping/>
   </p:clrMapOvr>
+  <p:timing>
+    <p:tnLst>
+      <p:par>
+        <p:cTn id="1" dur="indefinite" restart="never" nodeType="tmRoot"/>
+      </p:par>
+    </p:tnLst>
+  </p:timing>
 </p:sld>
 </file>
 
@@ -3410,7 +3479,15 @@
           <a:p>
             <a:r>
               <a:rPr lang="ru-RU" dirty="0" smtClean="0"/>
-              <a:t>На втором экране – результат за первого раунда.</a:t>
+              <a:t>На втором экране – результат </a:t>
+            </a:r>
+            <a:r>
+              <a:rPr lang="ru-RU" dirty="0" smtClean="0"/>
+              <a:t>первого </a:t>
+            </a:r>
+            <a:r>
+              <a:rPr lang="ru-RU" dirty="0" smtClean="0"/>
+              <a:t>раунда.</a:t>
             </a:r>
           </a:p>
           <a:p>
@@ -3530,6 +3607,13 @@
   <p:clrMapOvr>
     <a:masterClrMapping/>
   </p:clrMapOvr>
+  <p:timing>
+    <p:tnLst>
+      <p:par>
+        <p:cTn id="1" dur="indefinite" restart="never" nodeType="tmRoot"/>
+      </p:par>
+    </p:tnLst>
+  </p:timing>
 </p:sld>
 </file>
 
@@ -3592,8 +3676,8 @@
         </p:nvSpPr>
         <p:spPr>
           <a:xfrm>
-            <a:off x="0" y="620688"/>
-            <a:ext cx="9144000" cy="4525963"/>
+            <a:off x="0" y="620689"/>
+            <a:ext cx="9144000" cy="2736304"/>
           </a:xfrm>
         </p:spPr>
         <p:txBody>
@@ -3608,7 +3692,15 @@
           <a:p>
             <a:r>
               <a:rPr lang="ru-RU" dirty="0" smtClean="0"/>
-              <a:t>С его помощью после каждой партии можно узнать информацию о всех совершённых играх.</a:t>
+              <a:t>С его помощью после каждой партии можно узнать информацию о всех </a:t>
+            </a:r>
+            <a:r>
+              <a:rPr lang="ru-RU" dirty="0" smtClean="0"/>
+              <a:t>ранее совершённых </a:t>
+            </a:r>
+            <a:r>
+              <a:rPr lang="ru-RU" dirty="0" smtClean="0"/>
+              <a:t>играх.</a:t>
             </a:r>
             <a:endParaRPr lang="ru-RU" dirty="0"/>
           </a:p>
@@ -3645,6 +3737,13 @@
   <p:clrMapOvr>
     <a:masterClrMapping/>
   </p:clrMapOvr>
+  <p:timing>
+    <p:tnLst>
+      <p:par>
+        <p:cTn id="1" dur="indefinite" restart="never" nodeType="tmRoot"/>
+      </p:par>
+    </p:tnLst>
+  </p:timing>
 </p:sld>
 </file>
 
@@ -3700,6 +3799,13 @@
   <p:clrMapOvr>
     <a:masterClrMapping/>
   </p:clrMapOvr>
+  <p:timing>
+    <p:tnLst>
+      <p:par>
+        <p:cTn id="1" dur="indefinite" restart="never" nodeType="tmRoot"/>
+      </p:par>
+    </p:tnLst>
+  </p:timing>
 </p:sld>
 </file>
 
